--- a/Dash/Hackathon/Ganeshkumar Patil-presentation.pptx
+++ b/Dash/Hackathon/Ganeshkumar Patil-presentation.pptx
@@ -15,6 +15,7 @@
     <p:sldId id="264" r:id="rId9"/>
     <p:sldId id="265" r:id="rId10"/>
     <p:sldId id="266" r:id="rId11"/>
+    <p:sldId id="267" r:id="rId12"/>
   </p:sldIdLst>
   <p:sldSz cx="12192000" cy="6858000"/>
   <p:notesSz cx="6858000" cy="9144000"/>
@@ -113,6 +114,11 @@
       </a:defRPr>
     </a:lvl9pPr>
   </p:defaultTextStyle>
+  <p:extLst>
+    <p:ext uri="{EFAFB233-063F-42B5-8137-9DF3F51BA10A}">
+      <p15:sldGuideLst xmlns:p15="http://schemas.microsoft.com/office/powerpoint/2012/main"/>
+    </p:ext>
+  </p:extLst>
 </p:presentation>
 </file>
 
@@ -265,7 +271,7 @@
           <a:p>
             <a:fld id="{6AE51F80-42D3-4B61-83E4-1C833B98E622}" type="datetimeFigureOut">
               <a:rPr lang="en-GB" smtClean="0"/>
-              <a:t>18/05/2020</a:t>
+              <a:t>19/05/2020</a:t>
             </a:fld>
             <a:endParaRPr lang="en-GB"/>
           </a:p>
@@ -465,7 +471,7 @@
           <a:p>
             <a:fld id="{6AE51F80-42D3-4B61-83E4-1C833B98E622}" type="datetimeFigureOut">
               <a:rPr lang="en-GB" smtClean="0"/>
-              <a:t>18/05/2020</a:t>
+              <a:t>19/05/2020</a:t>
             </a:fld>
             <a:endParaRPr lang="en-GB"/>
           </a:p>
@@ -675,7 +681,7 @@
           <a:p>
             <a:fld id="{6AE51F80-42D3-4B61-83E4-1C833B98E622}" type="datetimeFigureOut">
               <a:rPr lang="en-GB" smtClean="0"/>
-              <a:t>18/05/2020</a:t>
+              <a:t>19/05/2020</a:t>
             </a:fld>
             <a:endParaRPr lang="en-GB"/>
           </a:p>
@@ -875,7 +881,7 @@
           <a:p>
             <a:fld id="{6AE51F80-42D3-4B61-83E4-1C833B98E622}" type="datetimeFigureOut">
               <a:rPr lang="en-GB" smtClean="0"/>
-              <a:t>18/05/2020</a:t>
+              <a:t>19/05/2020</a:t>
             </a:fld>
             <a:endParaRPr lang="en-GB"/>
           </a:p>
@@ -1151,7 +1157,7 @@
           <a:p>
             <a:fld id="{6AE51F80-42D3-4B61-83E4-1C833B98E622}" type="datetimeFigureOut">
               <a:rPr lang="en-GB" smtClean="0"/>
-              <a:t>18/05/2020</a:t>
+              <a:t>19/05/2020</a:t>
             </a:fld>
             <a:endParaRPr lang="en-GB"/>
           </a:p>
@@ -1419,7 +1425,7 @@
           <a:p>
             <a:fld id="{6AE51F80-42D3-4B61-83E4-1C833B98E622}" type="datetimeFigureOut">
               <a:rPr lang="en-GB" smtClean="0"/>
-              <a:t>18/05/2020</a:t>
+              <a:t>19/05/2020</a:t>
             </a:fld>
             <a:endParaRPr lang="en-GB"/>
           </a:p>
@@ -1834,7 +1840,7 @@
           <a:p>
             <a:fld id="{6AE51F80-42D3-4B61-83E4-1C833B98E622}" type="datetimeFigureOut">
               <a:rPr lang="en-GB" smtClean="0"/>
-              <a:t>18/05/2020</a:t>
+              <a:t>19/05/2020</a:t>
             </a:fld>
             <a:endParaRPr lang="en-GB"/>
           </a:p>
@@ -1976,7 +1982,7 @@
           <a:p>
             <a:fld id="{6AE51F80-42D3-4B61-83E4-1C833B98E622}" type="datetimeFigureOut">
               <a:rPr lang="en-GB" smtClean="0"/>
-              <a:t>18/05/2020</a:t>
+              <a:t>19/05/2020</a:t>
             </a:fld>
             <a:endParaRPr lang="en-GB"/>
           </a:p>
@@ -2089,7 +2095,7 @@
           <a:p>
             <a:fld id="{6AE51F80-42D3-4B61-83E4-1C833B98E622}" type="datetimeFigureOut">
               <a:rPr lang="en-GB" smtClean="0"/>
-              <a:t>18/05/2020</a:t>
+              <a:t>19/05/2020</a:t>
             </a:fld>
             <a:endParaRPr lang="en-GB"/>
           </a:p>
@@ -2402,7 +2408,7 @@
           <a:p>
             <a:fld id="{6AE51F80-42D3-4B61-83E4-1C833B98E622}" type="datetimeFigureOut">
               <a:rPr lang="en-GB" smtClean="0"/>
-              <a:t>18/05/2020</a:t>
+              <a:t>19/05/2020</a:t>
             </a:fld>
             <a:endParaRPr lang="en-GB"/>
           </a:p>
@@ -2691,7 +2697,7 @@
           <a:p>
             <a:fld id="{6AE51F80-42D3-4B61-83E4-1C833B98E622}" type="datetimeFigureOut">
               <a:rPr lang="en-GB" smtClean="0"/>
-              <a:t>18/05/2020</a:t>
+              <a:t>19/05/2020</a:t>
             </a:fld>
             <a:endParaRPr lang="en-GB"/>
           </a:p>
@@ -2934,7 +2940,7 @@
           <a:p>
             <a:fld id="{6AE51F80-42D3-4B61-83E4-1C833B98E622}" type="datetimeFigureOut">
               <a:rPr lang="en-GB" smtClean="0"/>
-              <a:t>18/05/2020</a:t>
+              <a:t>19/05/2020</a:t>
             </a:fld>
             <a:endParaRPr lang="en-GB"/>
           </a:p>
@@ -3522,7 +3528,68 @@
           <a:bodyPr/>
           <a:lstStyle/>
           <a:p>
-            <a:endParaRPr lang="en-GB" dirty="0"/>
+            <a:r>
+              <a:rPr lang="en-GB" dirty="0"/>
+              <a:t>This dashboard is developed using python.</a:t>
+            </a:r>
+          </a:p>
+          <a:p>
+            <a:r>
+              <a:rPr lang="en-GB" dirty="0"/>
+              <a:t>Plot.ly is company developed </a:t>
+            </a:r>
+            <a:r>
+              <a:rPr lang="en-GB" dirty="0" err="1"/>
+              <a:t>plotly</a:t>
+            </a:r>
+            <a:r>
+              <a:rPr lang="en-GB" dirty="0"/>
+              <a:t> and dash in python, </a:t>
+            </a:r>
+            <a:r>
+              <a:rPr lang="en-GB" dirty="0" err="1"/>
+              <a:t>Javascript</a:t>
+            </a:r>
+            <a:r>
+              <a:rPr lang="en-GB" dirty="0"/>
+              <a:t> and R languages.</a:t>
+            </a:r>
+          </a:p>
+          <a:p>
+            <a:r>
+              <a:rPr lang="en-GB" dirty="0"/>
+              <a:t>I opted python to develop dashboard.</a:t>
+            </a:r>
+          </a:p>
+          <a:p>
+            <a:r>
+              <a:rPr lang="en-GB" dirty="0"/>
+              <a:t>Plot.ly also developed dash module which can be used to develop dashboard with less code and pure python.</a:t>
+            </a:r>
+          </a:p>
+          <a:p>
+            <a:r>
+              <a:rPr lang="en-GB" dirty="0"/>
+              <a:t>Dash module provides html and dash core components to develop dashboard.</a:t>
+            </a:r>
+          </a:p>
+          <a:p>
+            <a:r>
+              <a:rPr lang="en-GB" dirty="0"/>
+              <a:t>It also provide interactive graphical features and web framework to develop dashboards.</a:t>
+            </a:r>
+          </a:p>
+          <a:p>
+            <a:r>
+              <a:rPr lang="en-GB" dirty="0"/>
+              <a:t>Used python pandas module to process data from csv files.</a:t>
+            </a:r>
+          </a:p>
+          <a:p>
+            <a:r>
+              <a:rPr lang="en-GB" dirty="0"/>
+              <a:t>Pandas provides flexible functions to process data such as filling missing values and data operations.  </a:t>
+            </a:r>
           </a:p>
         </p:txBody>
       </p:sp>
@@ -3530,6 +3597,79 @@
     <p:extLst>
       <p:ext uri="{BB962C8B-B14F-4D97-AF65-F5344CB8AC3E}">
         <p14:creationId xmlns:p14="http://schemas.microsoft.com/office/powerpoint/2010/main" val="1855976636"/>
+      </p:ext>
+    </p:extLst>
+  </p:cSld>
+  <p:clrMapOvr>
+    <a:masterClrMapping/>
+  </p:clrMapOvr>
+</p:sld>
+</file>
+
+<file path=ppt/slides/slide11.xml><?xml version="1.0" encoding="utf-8"?>
+<p:sld xmlns:a="http://schemas.openxmlformats.org/drawingml/2006/main" xmlns:r="http://schemas.openxmlformats.org/officeDocument/2006/relationships" xmlns:p="http://schemas.openxmlformats.org/presentationml/2006/main">
+  <p:cSld>
+    <p:spTree>
+      <p:nvGrpSpPr>
+        <p:cNvPr id="1" name=""/>
+        <p:cNvGrpSpPr/>
+        <p:nvPr/>
+      </p:nvGrpSpPr>
+      <p:grpSpPr>
+        <a:xfrm>
+          <a:off x="0" y="0"/>
+          <a:ext cx="0" cy="0"/>
+          <a:chOff x="0" y="0"/>
+          <a:chExt cx="0" cy="0"/>
+        </a:xfrm>
+      </p:grpSpPr>
+      <p:sp>
+        <p:nvSpPr>
+          <p:cNvPr id="3" name="Content Placeholder 2">
+            <a:extLst>
+              <a:ext uri="{FF2B5EF4-FFF2-40B4-BE49-F238E27FC236}">
+                <a16:creationId xmlns:a16="http://schemas.microsoft.com/office/drawing/2014/main" id="{70DD36B8-0013-4896-AD0C-B4F3B301B57F}"/>
+              </a:ext>
+            </a:extLst>
+          </p:cNvPr>
+          <p:cNvSpPr>
+            <a:spLocks noGrp="1"/>
+          </p:cNvSpPr>
+          <p:nvPr>
+            <p:ph idx="1"/>
+          </p:nvPr>
+        </p:nvSpPr>
+        <p:spPr/>
+        <p:txBody>
+          <a:bodyPr/>
+          <a:lstStyle/>
+          <a:p>
+            <a:pPr marL="0" indent="0" algn="ctr">
+              <a:buNone/>
+            </a:pPr>
+            <a:endParaRPr lang="en-GB" dirty="0"/>
+          </a:p>
+          <a:p>
+            <a:pPr marL="0" indent="0" algn="ctr">
+              <a:buNone/>
+            </a:pPr>
+            <a:endParaRPr lang="en-GB" dirty="0"/>
+          </a:p>
+          <a:p>
+            <a:pPr marL="0" indent="0" algn="ctr">
+              <a:buNone/>
+            </a:pPr>
+            <a:r>
+              <a:rPr lang="en-GB" sz="6000" dirty="0"/>
+              <a:t>END</a:t>
+            </a:r>
+          </a:p>
+        </p:txBody>
+      </p:sp>
+    </p:spTree>
+    <p:extLst>
+      <p:ext uri="{BB962C8B-B14F-4D97-AF65-F5344CB8AC3E}">
+        <p14:creationId xmlns:p14="http://schemas.microsoft.com/office/powerpoint/2010/main" val="3439405289"/>
       </p:ext>
     </p:extLst>
   </p:cSld>
